--- a/Mobiles_Unfallprotokoll.pptx
+++ b/Mobiles_Unfallprotokoll.pptx
@@ -251,7 +251,7 @@
           <a:p>
             <a:fld id="{FA92AA18-E25F-4B78-A618-20E6926A8B99}" type="datetimeFigureOut">
               <a:rPr lang="en-US" smtClean="0"/>
-              <a:t>5/12/2016</a:t>
+              <a:t>5/13/2016</a:t>
             </a:fld>
             <a:endParaRPr lang="en-US"/>
           </a:p>
@@ -421,7 +421,7 @@
           <a:p>
             <a:fld id="{FA92AA18-E25F-4B78-A618-20E6926A8B99}" type="datetimeFigureOut">
               <a:rPr lang="en-US" smtClean="0"/>
-              <a:t>5/12/2016</a:t>
+              <a:t>5/13/2016</a:t>
             </a:fld>
             <a:endParaRPr lang="en-US"/>
           </a:p>
@@ -601,7 +601,7 @@
           <a:p>
             <a:fld id="{FA92AA18-E25F-4B78-A618-20E6926A8B99}" type="datetimeFigureOut">
               <a:rPr lang="en-US" smtClean="0"/>
-              <a:t>5/12/2016</a:t>
+              <a:t>5/13/2016</a:t>
             </a:fld>
             <a:endParaRPr lang="en-US"/>
           </a:p>
@@ -771,7 +771,7 @@
           <a:p>
             <a:fld id="{FA92AA18-E25F-4B78-A618-20E6926A8B99}" type="datetimeFigureOut">
               <a:rPr lang="en-US" smtClean="0"/>
-              <a:t>5/12/2016</a:t>
+              <a:t>5/13/2016</a:t>
             </a:fld>
             <a:endParaRPr lang="en-US"/>
           </a:p>
@@ -1017,7 +1017,7 @@
           <a:p>
             <a:fld id="{FA92AA18-E25F-4B78-A618-20E6926A8B99}" type="datetimeFigureOut">
               <a:rPr lang="en-US" smtClean="0"/>
-              <a:t>5/12/2016</a:t>
+              <a:t>5/13/2016</a:t>
             </a:fld>
             <a:endParaRPr lang="en-US"/>
           </a:p>
@@ -1249,7 +1249,7 @@
           <a:p>
             <a:fld id="{FA92AA18-E25F-4B78-A618-20E6926A8B99}" type="datetimeFigureOut">
               <a:rPr lang="en-US" smtClean="0"/>
-              <a:t>5/12/2016</a:t>
+              <a:t>5/13/2016</a:t>
             </a:fld>
             <a:endParaRPr lang="en-US"/>
           </a:p>
@@ -1616,7 +1616,7 @@
           <a:p>
             <a:fld id="{FA92AA18-E25F-4B78-A618-20E6926A8B99}" type="datetimeFigureOut">
               <a:rPr lang="en-US" smtClean="0"/>
-              <a:t>5/12/2016</a:t>
+              <a:t>5/13/2016</a:t>
             </a:fld>
             <a:endParaRPr lang="en-US"/>
           </a:p>
@@ -1734,7 +1734,7 @@
           <a:p>
             <a:fld id="{FA92AA18-E25F-4B78-A618-20E6926A8B99}" type="datetimeFigureOut">
               <a:rPr lang="en-US" smtClean="0"/>
-              <a:t>5/12/2016</a:t>
+              <a:t>5/13/2016</a:t>
             </a:fld>
             <a:endParaRPr lang="en-US"/>
           </a:p>
@@ -1829,7 +1829,7 @@
           <a:p>
             <a:fld id="{FA92AA18-E25F-4B78-A618-20E6926A8B99}" type="datetimeFigureOut">
               <a:rPr lang="en-US" smtClean="0"/>
-              <a:t>5/12/2016</a:t>
+              <a:t>5/13/2016</a:t>
             </a:fld>
             <a:endParaRPr lang="en-US"/>
           </a:p>
@@ -2106,7 +2106,7 @@
           <a:p>
             <a:fld id="{FA92AA18-E25F-4B78-A618-20E6926A8B99}" type="datetimeFigureOut">
               <a:rPr lang="en-US" smtClean="0"/>
-              <a:t>5/12/2016</a:t>
+              <a:t>5/13/2016</a:t>
             </a:fld>
             <a:endParaRPr lang="en-US"/>
           </a:p>
@@ -2359,7 +2359,7 @@
           <a:p>
             <a:fld id="{FA92AA18-E25F-4B78-A618-20E6926A8B99}" type="datetimeFigureOut">
               <a:rPr lang="en-US" smtClean="0"/>
-              <a:t>5/12/2016</a:t>
+              <a:t>5/13/2016</a:t>
             </a:fld>
             <a:endParaRPr lang="en-US"/>
           </a:p>
@@ -2572,7 +2572,7 @@
           <a:p>
             <a:fld id="{FA92AA18-E25F-4B78-A618-20E6926A8B99}" type="datetimeFigureOut">
               <a:rPr lang="en-US" smtClean="0"/>
-              <a:t>5/12/2016</a:t>
+              <a:t>5/13/2016</a:t>
             </a:fld>
             <a:endParaRPr lang="en-US"/>
           </a:p>
@@ -3138,28 +3138,22 @@
       </p:grpSpPr>
       <p:pic>
         <p:nvPicPr>
-          <p:cNvPr id="6" name="Picture 5"/>
+          <p:cNvPr id="2" name="Picture 1"/>
           <p:cNvPicPr>
             <a:picLocks noChangeAspect="1"/>
           </p:cNvPicPr>
           <p:nvPr/>
         </p:nvPicPr>
         <p:blipFill>
-          <a:blip r:embed="rId2">
-            <a:extLst>
-              <a:ext uri="{28A0092B-C50C-407E-A947-70E740481C1C}">
-                <a14:useLocalDpi xmlns:a14="http://schemas.microsoft.com/office/drawing/2010/main" val="0"/>
-              </a:ext>
-            </a:extLst>
-          </a:blip>
+          <a:blip r:embed="rId2"/>
           <a:stretch>
             <a:fillRect/>
           </a:stretch>
         </p:blipFill>
         <p:spPr>
           <a:xfrm>
-            <a:off x="1838197" y="128877"/>
-            <a:ext cx="7194592" cy="6599177"/>
+            <a:off x="1561158" y="1339993"/>
+            <a:ext cx="8734425" cy="3028950"/>
           </a:xfrm>
           <a:prstGeom prst="rect">
             <a:avLst/>
@@ -3198,31 +3192,50 @@
       </p:grpSpPr>
       <p:pic>
         <p:nvPicPr>
-          <p:cNvPr id="4" name="Content Placeholder 3"/>
+          <p:cNvPr id="2" name="Picture 1"/>
           <p:cNvPicPr>
-            <a:picLocks noGrp="1" noChangeAspect="1"/>
+            <a:picLocks noChangeAspect="1"/>
           </p:cNvPicPr>
-          <p:nvPr>
-            <p:ph idx="1"/>
-          </p:nvPr>
+          <p:nvPr/>
         </p:nvPicPr>
         <p:blipFill>
-          <a:blip r:embed="rId2">
-            <a:extLst>
-              <a:ext uri="{28A0092B-C50C-407E-A947-70E740481C1C}">
-                <a14:useLocalDpi xmlns:a14="http://schemas.microsoft.com/office/drawing/2010/main" val="0"/>
-              </a:ext>
-            </a:extLst>
-          </a:blip>
+          <a:blip r:embed="rId2"/>
           <a:stretch>
             <a:fillRect/>
           </a:stretch>
         </p:blipFill>
         <p:spPr>
           <a:xfrm>
-            <a:off x="2693520" y="0"/>
-            <a:ext cx="5778404" cy="6858000"/>
+            <a:off x="2239653" y="3417775"/>
+            <a:ext cx="7153275" cy="1533525"/>
           </a:xfrm>
+          <a:prstGeom prst="rect">
+            <a:avLst/>
+          </a:prstGeom>
+        </p:spPr>
+      </p:pic>
+      <p:pic>
+        <p:nvPicPr>
+          <p:cNvPr id="3" name="Picture 2"/>
+          <p:cNvPicPr>
+            <a:picLocks noChangeAspect="1"/>
+          </p:cNvPicPr>
+          <p:nvPr/>
+        </p:nvPicPr>
+        <p:blipFill>
+          <a:blip r:embed="rId3"/>
+          <a:stretch>
+            <a:fillRect/>
+          </a:stretch>
+        </p:blipFill>
+        <p:spPr>
+          <a:xfrm>
+            <a:off x="2577791" y="749940"/>
+            <a:ext cx="6477000" cy="1924050"/>
+          </a:xfrm>
+          <a:prstGeom prst="rect">
+            <a:avLst/>
+          </a:prstGeom>
         </p:spPr>
       </p:pic>
     </p:spTree>

--- a/Mobiles_Unfallprotokoll.pptx
+++ b/Mobiles_Unfallprotokoll.pptx
@@ -3116,6 +3116,13 @@
   <p:clrMapOvr>
     <a:masterClrMapping/>
   </p:clrMapOvr>
+  <p:timing>
+    <p:tnLst>
+      <p:par>
+        <p:cTn id="1" dur="indefinite" restart="never" nodeType="tmRoot"/>
+      </p:par>
+    </p:tnLst>
+  </p:timing>
 </p:sld>
 </file>
 
@@ -3152,7 +3159,7 @@
         </p:blipFill>
         <p:spPr>
           <a:xfrm>
-            <a:off x="1561158" y="1339993"/>
+            <a:off x="1470542" y="1381182"/>
             <a:ext cx="8734425" cy="3028950"/>
           </a:xfrm>
           <a:prstGeom prst="rect">
@@ -3170,6 +3177,13 @@
   <p:clrMapOvr>
     <a:masterClrMapping/>
   </p:clrMapOvr>
+  <p:timing>
+    <p:tnLst>
+      <p:par>
+        <p:cTn id="1" dur="indefinite" restart="never" nodeType="tmRoot"/>
+      </p:par>
+    </p:tnLst>
+  </p:timing>
 </p:sld>
 </file>
 
@@ -3248,6 +3262,13 @@
   <p:clrMapOvr>
     <a:masterClrMapping/>
   </p:clrMapOvr>
+  <p:timing>
+    <p:tnLst>
+      <p:par>
+        <p:cTn id="1" dur="indefinite" restart="never" nodeType="tmRoot"/>
+      </p:par>
+    </p:tnLst>
+  </p:timing>
 </p:sld>
 </file>
 
@@ -3406,6 +3427,13 @@
   <p:clrMapOvr>
     <a:masterClrMapping/>
   </p:clrMapOvr>
+  <p:timing>
+    <p:tnLst>
+      <p:par>
+        <p:cTn id="1" dur="indefinite" restart="never" nodeType="tmRoot"/>
+      </p:par>
+    </p:tnLst>
+  </p:timing>
 </p:sld>
 </file>
 
@@ -3609,6 +3637,13 @@
   <p:clrMapOvr>
     <a:masterClrMapping/>
   </p:clrMapOvr>
+  <p:timing>
+    <p:tnLst>
+      <p:par>
+        <p:cTn id="1" dur="indefinite" restart="never" nodeType="tmRoot"/>
+      </p:par>
+    </p:tnLst>
+  </p:timing>
 </p:sld>
 </file>
 
@@ -3675,6 +3710,94 @@
           </a:p>
         </p:txBody>
       </p:sp>
+      <p:pic>
+        <p:nvPicPr>
+          <p:cNvPr id="4" name="Picture 3"/>
+          <p:cNvPicPr>
+            <a:picLocks noChangeAspect="1"/>
+          </p:cNvPicPr>
+          <p:nvPr/>
+        </p:nvPicPr>
+        <p:blipFill>
+          <a:blip r:embed="rId2"/>
+          <a:stretch>
+            <a:fillRect/>
+          </a:stretch>
+        </p:blipFill>
+        <p:spPr>
+          <a:xfrm>
+            <a:off x="2926492" y="2215978"/>
+            <a:ext cx="1871941" cy="3441957"/>
+          </a:xfrm>
+          <a:prstGeom prst="rect">
+            <a:avLst/>
+          </a:prstGeom>
+        </p:spPr>
+      </p:pic>
+      <p:sp>
+        <p:nvSpPr>
+          <p:cNvPr id="5" name="Right Arrow 4"/>
+          <p:cNvSpPr/>
+          <p:nvPr/>
+        </p:nvSpPr>
+        <p:spPr>
+          <a:xfrm>
+            <a:off x="5618205" y="3064476"/>
+            <a:ext cx="1219200" cy="1243913"/>
+          </a:xfrm>
+          <a:prstGeom prst="rightArrow">
+            <a:avLst/>
+          </a:prstGeom>
+        </p:spPr>
+        <p:style>
+          <a:lnRef idx="2">
+            <a:schemeClr val="accent1">
+              <a:shade val="50000"/>
+            </a:schemeClr>
+          </a:lnRef>
+          <a:fillRef idx="1">
+            <a:schemeClr val="accent1"/>
+          </a:fillRef>
+          <a:effectRef idx="0">
+            <a:schemeClr val="accent1"/>
+          </a:effectRef>
+          <a:fontRef idx="minor">
+            <a:schemeClr val="lt1"/>
+          </a:fontRef>
+        </p:style>
+        <p:txBody>
+          <a:bodyPr rtlCol="0" anchor="ctr"/>
+          <a:lstStyle/>
+          <a:p>
+            <a:pPr algn="ctr"/>
+            <a:endParaRPr lang="en-US"/>
+          </a:p>
+        </p:txBody>
+      </p:sp>
+      <p:pic>
+        <p:nvPicPr>
+          <p:cNvPr id="6" name="Picture 5"/>
+          <p:cNvPicPr>
+            <a:picLocks noChangeAspect="1"/>
+          </p:cNvPicPr>
+          <p:nvPr/>
+        </p:nvPicPr>
+        <p:blipFill>
+          <a:blip r:embed="rId3"/>
+          <a:stretch>
+            <a:fillRect/>
+          </a:stretch>
+        </p:blipFill>
+        <p:spPr>
+          <a:xfrm>
+            <a:off x="7779662" y="2050964"/>
+            <a:ext cx="2667000" cy="3448050"/>
+          </a:xfrm>
+          <a:prstGeom prst="rect">
+            <a:avLst/>
+          </a:prstGeom>
+        </p:spPr>
+      </p:pic>
     </p:spTree>
     <p:extLst>
       <p:ext uri="{BB962C8B-B14F-4D97-AF65-F5344CB8AC3E}">
@@ -3685,6 +3808,13 @@
   <p:clrMapOvr>
     <a:masterClrMapping/>
   </p:clrMapOvr>
+  <p:timing>
+    <p:tnLst>
+      <p:par>
+        <p:cTn id="1" dur="indefinite" restart="never" nodeType="tmRoot"/>
+      </p:par>
+    </p:tnLst>
+  </p:timing>
 </p:sld>
 </file>
 
@@ -3952,6 +4082,13 @@
   <p:clrMapOvr>
     <a:masterClrMapping/>
   </p:clrMapOvr>
+  <p:timing>
+    <p:tnLst>
+      <p:par>
+        <p:cTn id="1" dur="indefinite" restart="never" nodeType="tmRoot"/>
+      </p:par>
+    </p:tnLst>
+  </p:timing>
 </p:sld>
 </file>
 
@@ -4139,36 +4276,6 @@
             </a:r>
             <a:endParaRPr lang="en-US" dirty="0" smtClean="0"/>
           </a:p>
-          <a:p>
-            <a:pPr>
-              <a:buFont typeface="Wingdings" panose="05000000000000000000" pitchFamily="2" charset="2"/>
-              <a:buChar char="ü"/>
-            </a:pPr>
-            <a:r>
-              <a:rPr lang="en-US" dirty="0" smtClean="0"/>
-              <a:t>Marketing </a:t>
-            </a:r>
-            <a:r>
-              <a:rPr lang="en-US" dirty="0" err="1" smtClean="0"/>
-              <a:t>durch</a:t>
-            </a:r>
-            <a:r>
-              <a:rPr lang="en-US" dirty="0" smtClean="0"/>
-              <a:t> App-</a:t>
-            </a:r>
-            <a:r>
-              <a:rPr lang="en-US" dirty="0" err="1" smtClean="0"/>
-              <a:t>Vertrieb</a:t>
-            </a:r>
-            <a:endParaRPr lang="en-US" dirty="0" smtClean="0"/>
-          </a:p>
-          <a:p>
-            <a:pPr>
-              <a:buFont typeface="Wingdings" panose="05000000000000000000" pitchFamily="2" charset="2"/>
-              <a:buChar char="ü"/>
-            </a:pPr>
-            <a:endParaRPr lang="en-US" dirty="0"/>
-          </a:p>
         </p:txBody>
       </p:sp>
     </p:spTree>
@@ -4181,6 +4288,13 @@
   <p:clrMapOvr>
     <a:masterClrMapping/>
   </p:clrMapOvr>
+  <p:timing>
+    <p:tnLst>
+      <p:par>
+        <p:cTn id="1" dur="indefinite" restart="never" nodeType="tmRoot"/>
+      </p:par>
+    </p:tnLst>
+  </p:timing>
 </p:sld>
 </file>
 
@@ -4313,6 +4427,13 @@
   <p:clrMapOvr>
     <a:masterClrMapping/>
   </p:clrMapOvr>
+  <p:timing>
+    <p:tnLst>
+      <p:par>
+        <p:cTn id="1" dur="indefinite" restart="never" nodeType="tmRoot"/>
+      </p:par>
+    </p:tnLst>
+  </p:timing>
 </p:sld>
 </file>
 
